--- a/Courses/Computer-Modeling-and-IT/Computer-Modeling-and-IT-6-Class/13-Basic-File-Formats-for-Image-Creation-and-Processing/13-Basic-File-Formats-for-Image-Creation-and-Processing.pptx
+++ b/Courses/Computer-Modeling-and-IT/Computer-Modeling-and-IT-6-Class/13-Basic-File-Formats-for-Image-Creation-and-Processing/13-Basic-File-Formats-for-Image-Creation-and-Processing.pptx
@@ -5,10 +5,10 @@
     <p:sldMasterId id="2147483675" r:id="rId1"/>
   </p:sldMasterIdLst>
   <p:notesMasterIdLst>
-    <p:notesMasterId r:id="rId15"/>
+    <p:notesMasterId r:id="rId21"/>
   </p:notesMasterIdLst>
   <p:handoutMasterIdLst>
-    <p:handoutMasterId r:id="rId16"/>
+    <p:handoutMasterId r:id="rId22"/>
   </p:handoutMasterIdLst>
   <p:sldIdLst>
     <p:sldId id="503" r:id="rId2"/>
@@ -21,9 +21,15 @@
     <p:sldId id="592" r:id="rId9"/>
     <p:sldId id="593" r:id="rId10"/>
     <p:sldId id="594" r:id="rId11"/>
-    <p:sldId id="586" r:id="rId12"/>
-    <p:sldId id="504" r:id="rId13"/>
-    <p:sldId id="505" r:id="rId14"/>
+    <p:sldId id="595" r:id="rId12"/>
+    <p:sldId id="596" r:id="rId13"/>
+    <p:sldId id="597" r:id="rId14"/>
+    <p:sldId id="598" r:id="rId15"/>
+    <p:sldId id="599" r:id="rId16"/>
+    <p:sldId id="600" r:id="rId17"/>
+    <p:sldId id="586" r:id="rId18"/>
+    <p:sldId id="504" r:id="rId19"/>
+    <p:sldId id="505" r:id="rId20"/>
   </p:sldIdLst>
   <p:sldSz cx="12192000" cy="6858000"/>
   <p:notesSz cx="6858000" cy="9144000"/>
@@ -143,6 +149,16 @@
             <p14:sldId id="594"/>
           </p14:sldIdLst>
         </p14:section>
+        <p14:section name="Векторна графика" id="{2369FFA7-14BE-4B38-8376-64744BFC6064}">
+          <p14:sldIdLst>
+            <p14:sldId id="595"/>
+            <p14:sldId id="596"/>
+            <p14:sldId id="597"/>
+            <p14:sldId id="598"/>
+            <p14:sldId id="599"/>
+            <p14:sldId id="600"/>
+          </p14:sldIdLst>
+        </p14:section>
         <p14:section name="Заключение" id="{E19D07F1-86E2-47E9-B2AB-7ADC4F89DC12}">
           <p14:sldIdLst>
             <p14:sldId id="586"/>
@@ -267,7 +283,7 @@
           <a:p>
             <a:fld id="{4E087215-0C8F-4762-A664-737A353EC9A4}" type="datetimeFigureOut">
               <a:rPr lang="bg-BG" smtClean="0"/>
-              <a:t>11.6.2024 г.</a:t>
+              <a:t>13.6.2024 г.</a:t>
             </a:fld>
             <a:endParaRPr lang="bg-BG"/>
           </a:p>
@@ -463,7 +479,7 @@
           <a:p>
             <a:fld id="{72D84649-876A-46C9-8472-14CB09C070D8}" type="datetimeFigureOut">
               <a:rPr lang="en-US" smtClean="0"/>
-              <a:t>6/11/2024</a:t>
+              <a:t>6/13/2024</a:t>
             </a:fld>
             <a:endParaRPr lang="en-US"/>
           </a:p>
@@ -1248,7 +1264,7 @@
             <a:fld id="{3EBA5BD7-F043-4D1B-AA17-CD412FC534DE}" type="slidenum">
               <a:rPr lang="en-US" smtClean="0"/>
               <a:pPr/>
-              <a:t>11</a:t>
+              <a:t>17</a:t>
             </a:fld>
             <a:endParaRPr lang="en-US" dirty="0"/>
           </a:p>
@@ -1439,7 +1455,7 @@
             <a:fld id="{3EBA5BD7-F043-4D1B-AA17-CD412FC534DE}" type="slidenum">
               <a:rPr lang="en-US" smtClean="0"/>
               <a:pPr/>
-              <a:t>12</a:t>
+              <a:t>18</a:t>
             </a:fld>
             <a:endParaRPr lang="en-US" dirty="0"/>
           </a:p>
@@ -1669,7 +1685,7 @@
             <a:fld id="{3EBA5BD7-F043-4D1B-AA17-CD412FC534DE}" type="slidenum">
               <a:rPr lang="en-US" smtClean="0"/>
               <a:pPr/>
-              <a:t>13</a:t>
+              <a:t>19</a:t>
             </a:fld>
             <a:endParaRPr lang="en-US" dirty="0"/>
           </a:p>
@@ -7592,6 +7608,2311 @@
       </p:grpSpPr>
       <p:sp>
         <p:nvSpPr>
+          <p:cNvPr id="2" name="Subtitle 1"/>
+          <p:cNvSpPr>
+            <a:spLocks noGrp="1"/>
+          </p:cNvSpPr>
+          <p:nvPr>
+            <p:ph type="subTitle" sz="quarter" idx="11"/>
+          </p:nvPr>
+        </p:nvSpPr>
+        <p:spPr/>
+        <p:txBody>
+          <a:bodyPr/>
+          <a:lstStyle/>
+          <a:p>
+            <a:r>
+              <a:rPr lang="bg-BG" dirty="0"/>
+              <a:t>Основни </a:t>
+            </a:r>
+            <a:r>
+              <a:rPr lang="bg-BG" dirty="0" smtClean="0"/>
+              <a:t>характеристики</a:t>
+            </a:r>
+            <a:endParaRPr lang="en-US" dirty="0"/>
+          </a:p>
+        </p:txBody>
+      </p:sp>
+      <p:sp>
+        <p:nvSpPr>
+          <p:cNvPr id="3" name="Title 2"/>
+          <p:cNvSpPr>
+            <a:spLocks noGrp="1"/>
+          </p:cNvSpPr>
+          <p:nvPr>
+            <p:ph type="title" sz="quarter" idx="10"/>
+          </p:nvPr>
+        </p:nvSpPr>
+        <p:spPr/>
+        <p:txBody>
+          <a:bodyPr/>
+          <a:lstStyle/>
+          <a:p>
+            <a:r>
+              <a:rPr lang="bg-BG" dirty="0"/>
+              <a:t>Векторна графика</a:t>
+            </a:r>
+            <a:endParaRPr lang="en-US" dirty="0"/>
+          </a:p>
+        </p:txBody>
+      </p:sp>
+      <p:pic>
+        <p:nvPicPr>
+          <p:cNvPr id="4" name="Picture 3"/>
+          <p:cNvPicPr>
+            <a:picLocks noChangeAspect="1"/>
+          </p:cNvPicPr>
+          <p:nvPr/>
+        </p:nvPicPr>
+        <p:blipFill>
+          <a:blip r:embed="rId2">
+            <a:extLst>
+              <a:ext uri="{28A0092B-C50C-407E-A947-70E740481C1C}">
+                <a14:useLocalDpi xmlns:a14="http://schemas.microsoft.com/office/drawing/2010/main" val="0"/>
+              </a:ext>
+            </a:extLst>
+          </a:blip>
+          <a:stretch>
+            <a:fillRect/>
+          </a:stretch>
+        </p:blipFill>
+        <p:spPr>
+          <a:xfrm>
+            <a:off x="5024437" y="1433634"/>
+            <a:ext cx="2143125" cy="2143125"/>
+          </a:xfrm>
+          <a:prstGeom prst="rect">
+            <a:avLst/>
+          </a:prstGeom>
+        </p:spPr>
+      </p:pic>
+    </p:spTree>
+    <p:extLst>
+      <p:ext uri="{BB962C8B-B14F-4D97-AF65-F5344CB8AC3E}">
+        <p14:creationId xmlns:p14="http://schemas.microsoft.com/office/powerpoint/2010/main" val="3742565907"/>
+      </p:ext>
+    </p:extLst>
+  </p:cSld>
+  <p:clrMapOvr>
+    <a:masterClrMapping/>
+  </p:clrMapOvr>
+  <mc:AlternateContent xmlns:mc="http://schemas.openxmlformats.org/markup-compatibility/2006" xmlns:p14="http://schemas.microsoft.com/office/powerpoint/2010/main">
+    <mc:Choice Requires="p14">
+      <p:transition spd="slow" p14:dur="2000" advClick="0" advTm="5000"/>
+    </mc:Choice>
+    <mc:Fallback xmlns="">
+      <p:transition spd="slow" advClick="0" advTm="5000"/>
+    </mc:Fallback>
+  </mc:AlternateContent>
+</p:sld>
+</file>
+
+<file path=ppt/slides/slide12.xml><?xml version="1.0" encoding="utf-8"?>
+<p:sld xmlns:a="http://schemas.openxmlformats.org/drawingml/2006/main" xmlns:r="http://schemas.openxmlformats.org/officeDocument/2006/relationships" xmlns:p="http://schemas.openxmlformats.org/presentationml/2006/main">
+  <p:cSld>
+    <p:spTree>
+      <p:nvGrpSpPr>
+        <p:cNvPr id="1" name=""/>
+        <p:cNvGrpSpPr/>
+        <p:nvPr/>
+      </p:nvGrpSpPr>
+      <p:grpSpPr>
+        <a:xfrm>
+          <a:off x="0" y="0"/>
+          <a:ext cx="0" cy="0"/>
+          <a:chOff x="0" y="0"/>
+          <a:chExt cx="0" cy="0"/>
+        </a:xfrm>
+      </p:grpSpPr>
+      <p:sp>
+        <p:nvSpPr>
+          <p:cNvPr id="7" name="Text Placeholder 6"/>
+          <p:cNvSpPr>
+            <a:spLocks noGrp="1"/>
+          </p:cNvSpPr>
+          <p:nvPr>
+            <p:ph type="body" sz="quarter" idx="10"/>
+          </p:nvPr>
+        </p:nvSpPr>
+        <p:spPr/>
+        <p:txBody>
+          <a:bodyPr/>
+          <a:lstStyle/>
+          <a:p>
+            <a:r>
+              <a:rPr lang="ru-RU" b="1" dirty="0" smtClean="0"/>
+              <a:t>͏</a:t>
+            </a:r>
+            <a:r>
+              <a:rPr lang="ru-RU" b="1" dirty="0" smtClean="0">
+                <a:solidFill>
+                  <a:schemeClr val="bg1"/>
+                </a:solidFill>
+              </a:rPr>
+              <a:t>Векторната </a:t>
+            </a:r>
+            <a:r>
+              <a:rPr lang="ru-RU" b="1" dirty="0">
+                <a:solidFill>
+                  <a:schemeClr val="bg1"/>
+                </a:solidFill>
+              </a:rPr>
+              <a:t>графика </a:t>
+            </a:r>
+            <a:r>
+              <a:rPr lang="ru-RU" dirty="0" smtClean="0"/>
+              <a:t>– </a:t>
+            </a:r>
+            <a:r>
+              <a:rPr lang="ru-RU" dirty="0"/>
+              <a:t>вид </a:t>
+            </a:r>
+            <a:r>
+              <a:rPr lang="ru-RU" b="1" dirty="0"/>
+              <a:t>компютърна графика</a:t>
+            </a:r>
+            <a:r>
+              <a:rPr lang="ru-RU" dirty="0"/>
+              <a:t>, </a:t>
+            </a:r>
+            <a:r>
+              <a:rPr lang="ru-RU" dirty="0" smtClean="0"/>
+              <a:t>която </a:t>
+            </a:r>
+            <a:r>
+              <a:rPr lang="ru-RU" dirty="0"/>
+              <a:t>се </a:t>
+            </a:r>
+            <a:r>
+              <a:rPr lang="ru-RU" dirty="0" smtClean="0"/>
+              <a:t>описва </a:t>
+            </a:r>
+            <a:r>
+              <a:rPr lang="ru-RU" dirty="0"/>
+              <a:t>с помощта на </a:t>
+            </a:r>
+            <a:r>
+              <a:rPr lang="ru-RU" b="1" dirty="0"/>
+              <a:t>математически</a:t>
+            </a:r>
+            <a:r>
+              <a:rPr lang="ru-RU" dirty="0"/>
+              <a:t> </a:t>
+            </a:r>
+            <a:r>
+              <a:rPr lang="ru-RU" b="1" dirty="0"/>
+              <a:t>формули</a:t>
+            </a:r>
+            <a:r>
+              <a:rPr lang="ru-RU" dirty="0"/>
+              <a:t>, </a:t>
+            </a:r>
+            <a:r>
+              <a:rPr lang="ru-RU" b="1" dirty="0"/>
+              <a:t>функции</a:t>
+            </a:r>
+            <a:r>
+              <a:rPr lang="ru-RU" dirty="0"/>
+              <a:t>, </a:t>
+            </a:r>
+            <a:r>
+              <a:rPr lang="ru-RU" b="1" dirty="0" smtClean="0"/>
+              <a:t>вектори</a:t>
+            </a:r>
+            <a:r>
+              <a:rPr lang="ru-RU" dirty="0"/>
+              <a:t> </a:t>
+            </a:r>
+            <a:r>
+              <a:rPr lang="ru-RU" dirty="0" smtClean="0"/>
+              <a:t>и т.н.</a:t>
+            </a:r>
+          </a:p>
+          <a:p>
+            <a:r>
+              <a:rPr lang="ru-RU" dirty="0" smtClean="0"/>
+              <a:t>͏</a:t>
+            </a:r>
+            <a:r>
+              <a:rPr lang="ru-RU" b="1" dirty="0" smtClean="0">
+                <a:solidFill>
+                  <a:schemeClr val="bg1"/>
+                </a:solidFill>
+              </a:rPr>
+              <a:t>Вектор</a:t>
+            </a:r>
+            <a:r>
+              <a:rPr lang="ru-RU" dirty="0" smtClean="0"/>
+              <a:t> </a:t>
+            </a:r>
+            <a:r>
+              <a:rPr lang="ru-RU" dirty="0"/>
+              <a:t>– </a:t>
+            </a:r>
+            <a:r>
+              <a:rPr lang="ru-RU" b="1" dirty="0"/>
+              <a:t>математическа величина</a:t>
+            </a:r>
+            <a:r>
+              <a:rPr lang="ru-RU" dirty="0"/>
+              <a:t>, която има както </a:t>
+            </a:r>
+            <a:r>
+              <a:rPr lang="ru-RU" b="1" dirty="0"/>
+              <a:t>големина</a:t>
+            </a:r>
+            <a:r>
+              <a:rPr lang="ru-RU" dirty="0"/>
+              <a:t>, така и </a:t>
+            </a:r>
+            <a:r>
+              <a:rPr lang="ru-RU" b="1" dirty="0"/>
+              <a:t>посока</a:t>
+            </a:r>
+          </a:p>
+        </p:txBody>
+      </p:sp>
+      <p:sp>
+        <p:nvSpPr>
+          <p:cNvPr id="6" name="Title 5"/>
+          <p:cNvSpPr>
+            <a:spLocks noGrp="1"/>
+          </p:cNvSpPr>
+          <p:nvPr>
+            <p:ph type="title"/>
+          </p:nvPr>
+        </p:nvSpPr>
+        <p:spPr/>
+        <p:txBody>
+          <a:bodyPr/>
+          <a:lstStyle/>
+          <a:p>
+            <a:r>
+              <a:rPr lang="bg-BG" dirty="0" smtClean="0"/>
+              <a:t>Какво е векторна графика?</a:t>
+            </a:r>
+            <a:endParaRPr lang="en-US" dirty="0"/>
+          </a:p>
+        </p:txBody>
+      </p:sp>
+      <p:pic>
+        <p:nvPicPr>
+          <p:cNvPr id="1026" name="Picture 2" descr="Vektor (riyaziyyat və fizika) — Vikipediya"/>
+          <p:cNvPicPr>
+            <a:picLocks noChangeAspect="1" noChangeArrowheads="1"/>
+          </p:cNvPicPr>
+          <p:nvPr/>
+        </p:nvPicPr>
+        <p:blipFill>
+          <a:blip r:embed="rId2">
+            <a:extLst>
+              <a:ext uri="{28A0092B-C50C-407E-A947-70E740481C1C}">
+                <a14:useLocalDpi xmlns:a14="http://schemas.microsoft.com/office/drawing/2010/main" val="0"/>
+              </a:ext>
+            </a:extLst>
+          </a:blip>
+          <a:srcRect/>
+          <a:stretch>
+            <a:fillRect/>
+          </a:stretch>
+        </p:blipFill>
+        <p:spPr bwMode="auto">
+          <a:xfrm>
+            <a:off x="3126000" y="4233403"/>
+            <a:ext cx="6221925" cy="2434329"/>
+          </a:xfrm>
+          <a:prstGeom prst="rect">
+            <a:avLst/>
+          </a:prstGeom>
+          <a:noFill/>
+          <a:extLst>
+            <a:ext uri="{909E8E84-426E-40DD-AFC4-6F175D3DCCD1}">
+              <a14:hiddenFill xmlns:a14="http://schemas.microsoft.com/office/drawing/2010/main">
+                <a:solidFill>
+                  <a:srgbClr val="FFFFFF"/>
+                </a:solidFill>
+              </a14:hiddenFill>
+            </a:ext>
+          </a:extLst>
+        </p:spPr>
+      </p:pic>
+    </p:spTree>
+    <p:extLst>
+      <p:ext uri="{BB962C8B-B14F-4D97-AF65-F5344CB8AC3E}">
+        <p14:creationId xmlns:p14="http://schemas.microsoft.com/office/powerpoint/2010/main" val="2788469035"/>
+      </p:ext>
+    </p:extLst>
+  </p:cSld>
+  <p:clrMapOvr>
+    <a:masterClrMapping/>
+  </p:clrMapOvr>
+  <mc:AlternateContent xmlns:mc="http://schemas.openxmlformats.org/markup-compatibility/2006" xmlns:p14="http://schemas.microsoft.com/office/powerpoint/2010/main">
+    <mc:Choice Requires="p14">
+      <p:transition spd="slow" p14:dur="2000" advClick="0" advTm="5000"/>
+    </mc:Choice>
+    <mc:Fallback xmlns="">
+      <p:transition spd="slow" advClick="0" advTm="5000"/>
+    </mc:Fallback>
+  </mc:AlternateContent>
+  <p:timing>
+    <p:tnLst>
+      <p:par>
+        <p:cTn id="1" dur="indefinite" restart="never" nodeType="tmRoot">
+          <p:childTnLst>
+            <p:seq concurrent="1" nextAc="seek">
+              <p:cTn id="2" dur="indefinite" nodeType="mainSeq">
+                <p:childTnLst>
+                  <p:par>
+                    <p:cTn id="3" fill="hold">
+                      <p:stCondLst>
+                        <p:cond delay="indefinite"/>
+                      </p:stCondLst>
+                      <p:childTnLst>
+                        <p:par>
+                          <p:cTn id="4" fill="hold">
+                            <p:stCondLst>
+                              <p:cond delay="0"/>
+                            </p:stCondLst>
+                            <p:childTnLst>
+                              <p:par>
+                                <p:cTn id="5" presetID="1" presetClass="entr" presetSubtype="0" fill="hold" nodeType="clickEffect">
+                                  <p:stCondLst>
+                                    <p:cond delay="0"/>
+                                  </p:stCondLst>
+                                  <p:childTnLst>
+                                    <p:set>
+                                      <p:cBhvr>
+                                        <p:cTn id="6" dur="1" fill="hold">
+                                          <p:stCondLst>
+                                            <p:cond delay="0"/>
+                                          </p:stCondLst>
+                                        </p:cTn>
+                                        <p:tgtEl>
+                                          <p:spTgt spid="7">
+                                            <p:txEl>
+                                              <p:pRg st="1" end="1"/>
+                                            </p:txEl>
+                                          </p:spTgt>
+                                        </p:tgtEl>
+                                        <p:attrNameLst>
+                                          <p:attrName>style.visibility</p:attrName>
+                                        </p:attrNameLst>
+                                      </p:cBhvr>
+                                      <p:to>
+                                        <p:strVal val="visible"/>
+                                      </p:to>
+                                    </p:set>
+                                  </p:childTnLst>
+                                </p:cTn>
+                              </p:par>
+                            </p:childTnLst>
+                          </p:cTn>
+                        </p:par>
+                      </p:childTnLst>
+                    </p:cTn>
+                  </p:par>
+                  <p:par>
+                    <p:cTn id="7" fill="hold">
+                      <p:stCondLst>
+                        <p:cond delay="indefinite"/>
+                      </p:stCondLst>
+                      <p:childTnLst>
+                        <p:par>
+                          <p:cTn id="8" fill="hold">
+                            <p:stCondLst>
+                              <p:cond delay="0"/>
+                            </p:stCondLst>
+                            <p:childTnLst>
+                              <p:par>
+                                <p:cTn id="9" presetID="1" presetClass="entr" presetSubtype="0" fill="hold" nodeType="clickEffect">
+                                  <p:stCondLst>
+                                    <p:cond delay="0"/>
+                                  </p:stCondLst>
+                                  <p:childTnLst>
+                                    <p:set>
+                                      <p:cBhvr>
+                                        <p:cTn id="10" dur="1" fill="hold">
+                                          <p:stCondLst>
+                                            <p:cond delay="0"/>
+                                          </p:stCondLst>
+                                        </p:cTn>
+                                        <p:tgtEl>
+                                          <p:spTgt spid="1026"/>
+                                        </p:tgtEl>
+                                        <p:attrNameLst>
+                                          <p:attrName>style.visibility</p:attrName>
+                                        </p:attrNameLst>
+                                      </p:cBhvr>
+                                      <p:to>
+                                        <p:strVal val="visible"/>
+                                      </p:to>
+                                    </p:set>
+                                  </p:childTnLst>
+                                </p:cTn>
+                              </p:par>
+                            </p:childTnLst>
+                          </p:cTn>
+                        </p:par>
+                      </p:childTnLst>
+                    </p:cTn>
+                  </p:par>
+                </p:childTnLst>
+              </p:cTn>
+              <p:prevCondLst>
+                <p:cond evt="onPrev" delay="0">
+                  <p:tgtEl>
+                    <p:sldTgt/>
+                  </p:tgtEl>
+                </p:cond>
+              </p:prevCondLst>
+              <p:nextCondLst>
+                <p:cond evt="onNext" delay="0">
+                  <p:tgtEl>
+                    <p:sldTgt/>
+                  </p:tgtEl>
+                </p:cond>
+              </p:nextCondLst>
+            </p:seq>
+          </p:childTnLst>
+        </p:cTn>
+      </p:par>
+    </p:tnLst>
+  </p:timing>
+</p:sld>
+</file>
+
+<file path=ppt/slides/slide13.xml><?xml version="1.0" encoding="utf-8"?>
+<p:sld xmlns:a="http://schemas.openxmlformats.org/drawingml/2006/main" xmlns:r="http://schemas.openxmlformats.org/officeDocument/2006/relationships" xmlns:p="http://schemas.openxmlformats.org/presentationml/2006/main">
+  <p:cSld>
+    <p:spTree>
+      <p:nvGrpSpPr>
+        <p:cNvPr id="1" name=""/>
+        <p:cNvGrpSpPr/>
+        <p:nvPr/>
+      </p:nvGrpSpPr>
+      <p:grpSpPr>
+        <a:xfrm>
+          <a:off x="0" y="0"/>
+          <a:ext cx="0" cy="0"/>
+          <a:chOff x="0" y="0"/>
+          <a:chExt cx="0" cy="0"/>
+        </a:xfrm>
+      </p:grpSpPr>
+      <p:sp>
+        <p:nvSpPr>
+          <p:cNvPr id="2" name="Slide Number Placeholder 1"/>
+          <p:cNvSpPr>
+            <a:spLocks noGrp="1"/>
+          </p:cNvSpPr>
+          <p:nvPr>
+            <p:ph type="sldNum" sz="quarter" idx="5"/>
+          </p:nvPr>
+        </p:nvSpPr>
+        <p:spPr/>
+        <p:txBody>
+          <a:bodyPr/>
+          <a:lstStyle/>
+          <a:p>
+            <a:fld id="{2BF067CD-8E6B-4360-9AA8-C5DF2A48A6D1}" type="slidenum">
+              <a:rPr lang="en-US" noProof="0" smtClean="0"/>
+              <a:pPr/>
+              <a:t>13</a:t>
+            </a:fld>
+            <a:endParaRPr lang="en-US" noProof="0" dirty="0"/>
+          </a:p>
+        </p:txBody>
+      </p:sp>
+      <p:sp>
+        <p:nvSpPr>
+          <p:cNvPr id="6" name="Text Placeholder 5"/>
+          <p:cNvSpPr>
+            <a:spLocks noGrp="1"/>
+          </p:cNvSpPr>
+          <p:nvPr>
+            <p:ph type="body" sz="quarter" idx="10"/>
+          </p:nvPr>
+        </p:nvSpPr>
+        <p:spPr>
+          <a:xfrm>
+            <a:off x="190406" y="1196125"/>
+            <a:ext cx="11755594" cy="5528766"/>
+          </a:xfrm>
+        </p:spPr>
+        <p:txBody>
+          <a:bodyPr>
+            <a:normAutofit fontScale="92500"/>
+          </a:bodyPr>
+          <a:lstStyle/>
+          <a:p>
+            <a:r>
+              <a:rPr lang="bg-BG" dirty="0" smtClean="0"/>
+              <a:t>Всеки елемент на </a:t>
+            </a:r>
+            <a:r>
+              <a:rPr lang="bg-BG" b="1" dirty="0" smtClean="0"/>
+              <a:t>векторната графика </a:t>
+            </a:r>
+            <a:r>
+              <a:rPr lang="bg-BG" dirty="0" smtClean="0"/>
+              <a:t>представлява </a:t>
+            </a:r>
+            <a:r>
+              <a:rPr lang="bg-BG" b="1" dirty="0" smtClean="0"/>
+              <a:t>формула</a:t>
+            </a:r>
+            <a:r>
+              <a:rPr lang="bg-BG" dirty="0" smtClean="0"/>
+              <a:t>, а не </a:t>
+            </a:r>
+            <a:r>
+              <a:rPr lang="bg-BG" b="1" dirty="0" smtClean="0"/>
+              <a:t>съвкупност</a:t>
+            </a:r>
+            <a:r>
+              <a:rPr lang="bg-BG" dirty="0" smtClean="0"/>
+              <a:t> от </a:t>
+            </a:r>
+            <a:r>
+              <a:rPr lang="bg-BG" b="1" dirty="0" smtClean="0"/>
+              <a:t>пиксели</a:t>
+            </a:r>
+            <a:r>
+              <a:rPr lang="bg-BG" dirty="0" smtClean="0"/>
+              <a:t>, както при </a:t>
+            </a:r>
+            <a:r>
+              <a:rPr lang="bg-BG" b="1" dirty="0" smtClean="0"/>
+              <a:t>растерната графика</a:t>
+            </a:r>
+          </a:p>
+          <a:p>
+            <a:r>
+              <a:rPr lang="bg-BG" dirty="0" smtClean="0"/>
+              <a:t>От съчетанието на различни </a:t>
+            </a:r>
+            <a:r>
+              <a:rPr lang="bg-BG" b="1" dirty="0" smtClean="0">
+                <a:solidFill>
+                  <a:schemeClr val="bg1"/>
+                </a:solidFill>
+              </a:rPr>
+              <a:t>линии</a:t>
+            </a:r>
+            <a:r>
+              <a:rPr lang="bg-BG" dirty="0" smtClean="0"/>
+              <a:t> (</a:t>
+            </a:r>
+            <a:r>
+              <a:rPr lang="bg-BG" b="1" dirty="0" smtClean="0"/>
+              <a:t>вектори</a:t>
+            </a:r>
+            <a:r>
+              <a:rPr lang="bg-BG" dirty="0" smtClean="0"/>
+              <a:t>) се получават обекти с </a:t>
+            </a:r>
+            <a:r>
+              <a:rPr lang="bg-BG" b="1" dirty="0" smtClean="0"/>
+              <a:t>различни</a:t>
+            </a:r>
+            <a:r>
+              <a:rPr lang="bg-BG" dirty="0" smtClean="0"/>
+              <a:t> </a:t>
+            </a:r>
+            <a:r>
+              <a:rPr lang="bg-BG" b="1" dirty="0" smtClean="0"/>
+              <a:t>форми</a:t>
+            </a:r>
+            <a:r>
+              <a:rPr lang="bg-BG" dirty="0" smtClean="0"/>
+              <a:t> и </a:t>
+            </a:r>
+            <a:r>
+              <a:rPr lang="bg-BG" b="1" dirty="0" smtClean="0"/>
+              <a:t>размери</a:t>
+            </a:r>
+          </a:p>
+          <a:p>
+            <a:r>
+              <a:rPr lang="bg-BG" dirty="0" smtClean="0"/>
+              <a:t>Всяка линия има:</a:t>
+            </a:r>
+          </a:p>
+          <a:p>
+            <a:pPr lvl="1"/>
+            <a:r>
+              <a:rPr lang="bg-BG" dirty="0" smtClean="0"/>
+              <a:t>Форма</a:t>
+            </a:r>
+          </a:p>
+          <a:p>
+            <a:pPr lvl="1"/>
+            <a:r>
+              <a:rPr lang="bg-BG" dirty="0" smtClean="0"/>
+              <a:t>Дебелина</a:t>
+            </a:r>
+          </a:p>
+          <a:p>
+            <a:pPr lvl="1"/>
+            <a:r>
+              <a:rPr lang="bg-BG" dirty="0" smtClean="0"/>
+              <a:t>Цвят</a:t>
+            </a:r>
+          </a:p>
+          <a:p>
+            <a:pPr lvl="1"/>
+            <a:r>
+              <a:rPr lang="bg-BG" dirty="0" smtClean="0"/>
+              <a:t>Вид</a:t>
+            </a:r>
+          </a:p>
+          <a:p>
+            <a:endParaRPr lang="en-US" dirty="0"/>
+          </a:p>
+        </p:txBody>
+      </p:sp>
+      <p:sp>
+        <p:nvSpPr>
+          <p:cNvPr id="5" name="Title 4"/>
+          <p:cNvSpPr>
+            <a:spLocks noGrp="1"/>
+          </p:cNvSpPr>
+          <p:nvPr>
+            <p:ph type="title"/>
+          </p:nvPr>
+        </p:nvSpPr>
+        <p:spPr/>
+        <p:txBody>
+          <a:bodyPr/>
+          <a:lstStyle/>
+          <a:p>
+            <a:r>
+              <a:rPr lang="bg-BG" dirty="0" smtClean="0"/>
+              <a:t>Векторна графика</a:t>
+            </a:r>
+            <a:endParaRPr lang="en-US" dirty="0"/>
+          </a:p>
+        </p:txBody>
+      </p:sp>
+      <p:pic>
+        <p:nvPicPr>
+          <p:cNvPr id="9" name="Picture 8"/>
+          <p:cNvPicPr>
+            <a:picLocks noChangeAspect="1"/>
+          </p:cNvPicPr>
+          <p:nvPr/>
+        </p:nvPicPr>
+        <p:blipFill>
+          <a:blip r:embed="rId2">
+            <a:extLst>
+              <a:ext uri="{28A0092B-C50C-407E-A947-70E740481C1C}">
+                <a14:useLocalDpi xmlns:a14="http://schemas.microsoft.com/office/drawing/2010/main" val="0"/>
+              </a:ext>
+            </a:extLst>
+          </a:blip>
+          <a:stretch>
+            <a:fillRect/>
+          </a:stretch>
+        </p:blipFill>
+        <p:spPr>
+          <a:xfrm>
+            <a:off x="4656000" y="3744000"/>
+            <a:ext cx="6907414" cy="2590280"/>
+          </a:xfrm>
+          <a:prstGeom prst="rect">
+            <a:avLst/>
+          </a:prstGeom>
+        </p:spPr>
+      </p:pic>
+    </p:spTree>
+    <p:extLst>
+      <p:ext uri="{BB962C8B-B14F-4D97-AF65-F5344CB8AC3E}">
+        <p14:creationId xmlns:p14="http://schemas.microsoft.com/office/powerpoint/2010/main" val="955229184"/>
+      </p:ext>
+    </p:extLst>
+  </p:cSld>
+  <p:clrMapOvr>
+    <a:masterClrMapping/>
+  </p:clrMapOvr>
+  <mc:AlternateContent xmlns:mc="http://schemas.openxmlformats.org/markup-compatibility/2006" xmlns:p14="http://schemas.microsoft.com/office/powerpoint/2010/main">
+    <mc:Choice Requires="p14">
+      <p:transition spd="slow" p14:dur="2000" advClick="0" advTm="5000"/>
+    </mc:Choice>
+    <mc:Fallback xmlns="">
+      <p:transition spd="slow" advClick="0" advTm="5000"/>
+    </mc:Fallback>
+  </mc:AlternateContent>
+  <p:timing>
+    <p:tnLst>
+      <p:par>
+        <p:cTn id="1" dur="indefinite" restart="never" nodeType="tmRoot">
+          <p:childTnLst>
+            <p:seq concurrent="1" nextAc="seek">
+              <p:cTn id="2" dur="indefinite" nodeType="mainSeq">
+                <p:childTnLst>
+                  <p:par>
+                    <p:cTn id="3" fill="hold">
+                      <p:stCondLst>
+                        <p:cond delay="indefinite"/>
+                      </p:stCondLst>
+                      <p:childTnLst>
+                        <p:par>
+                          <p:cTn id="4" fill="hold">
+                            <p:stCondLst>
+                              <p:cond delay="0"/>
+                            </p:stCondLst>
+                            <p:childTnLst>
+                              <p:par>
+                                <p:cTn id="5" presetID="1" presetClass="entr" presetSubtype="0" fill="hold" nodeType="clickEffect">
+                                  <p:stCondLst>
+                                    <p:cond delay="0"/>
+                                  </p:stCondLst>
+                                  <p:childTnLst>
+                                    <p:set>
+                                      <p:cBhvr>
+                                        <p:cTn id="6" dur="1" fill="hold">
+                                          <p:stCondLst>
+                                            <p:cond delay="0"/>
+                                          </p:stCondLst>
+                                        </p:cTn>
+                                        <p:tgtEl>
+                                          <p:spTgt spid="6">
+                                            <p:txEl>
+                                              <p:pRg st="1" end="1"/>
+                                            </p:txEl>
+                                          </p:spTgt>
+                                        </p:tgtEl>
+                                        <p:attrNameLst>
+                                          <p:attrName>style.visibility</p:attrName>
+                                        </p:attrNameLst>
+                                      </p:cBhvr>
+                                      <p:to>
+                                        <p:strVal val="visible"/>
+                                      </p:to>
+                                    </p:set>
+                                  </p:childTnLst>
+                                </p:cTn>
+                              </p:par>
+                            </p:childTnLst>
+                          </p:cTn>
+                        </p:par>
+                      </p:childTnLst>
+                    </p:cTn>
+                  </p:par>
+                  <p:par>
+                    <p:cTn id="7" fill="hold">
+                      <p:stCondLst>
+                        <p:cond delay="indefinite"/>
+                      </p:stCondLst>
+                      <p:childTnLst>
+                        <p:par>
+                          <p:cTn id="8" fill="hold">
+                            <p:stCondLst>
+                              <p:cond delay="0"/>
+                            </p:stCondLst>
+                            <p:childTnLst>
+                              <p:par>
+                                <p:cTn id="9" presetID="1" presetClass="entr" presetSubtype="0" fill="hold" nodeType="clickEffect">
+                                  <p:stCondLst>
+                                    <p:cond delay="0"/>
+                                  </p:stCondLst>
+                                  <p:childTnLst>
+                                    <p:set>
+                                      <p:cBhvr>
+                                        <p:cTn id="10" dur="1" fill="hold">
+                                          <p:stCondLst>
+                                            <p:cond delay="0"/>
+                                          </p:stCondLst>
+                                        </p:cTn>
+                                        <p:tgtEl>
+                                          <p:spTgt spid="6">
+                                            <p:txEl>
+                                              <p:pRg st="2" end="2"/>
+                                            </p:txEl>
+                                          </p:spTgt>
+                                        </p:tgtEl>
+                                        <p:attrNameLst>
+                                          <p:attrName>style.visibility</p:attrName>
+                                        </p:attrNameLst>
+                                      </p:cBhvr>
+                                      <p:to>
+                                        <p:strVal val="visible"/>
+                                      </p:to>
+                                    </p:set>
+                                  </p:childTnLst>
+                                </p:cTn>
+                              </p:par>
+                            </p:childTnLst>
+                          </p:cTn>
+                        </p:par>
+                      </p:childTnLst>
+                    </p:cTn>
+                  </p:par>
+                  <p:par>
+                    <p:cTn id="11" fill="hold">
+                      <p:stCondLst>
+                        <p:cond delay="indefinite"/>
+                      </p:stCondLst>
+                      <p:childTnLst>
+                        <p:par>
+                          <p:cTn id="12" fill="hold">
+                            <p:stCondLst>
+                              <p:cond delay="0"/>
+                            </p:stCondLst>
+                            <p:childTnLst>
+                              <p:par>
+                                <p:cTn id="13" presetID="1" presetClass="entr" presetSubtype="0" fill="hold" nodeType="clickEffect">
+                                  <p:stCondLst>
+                                    <p:cond delay="0"/>
+                                  </p:stCondLst>
+                                  <p:childTnLst>
+                                    <p:set>
+                                      <p:cBhvr>
+                                        <p:cTn id="14" dur="1" fill="hold">
+                                          <p:stCondLst>
+                                            <p:cond delay="0"/>
+                                          </p:stCondLst>
+                                        </p:cTn>
+                                        <p:tgtEl>
+                                          <p:spTgt spid="6">
+                                            <p:txEl>
+                                              <p:pRg st="3" end="3"/>
+                                            </p:txEl>
+                                          </p:spTgt>
+                                        </p:tgtEl>
+                                        <p:attrNameLst>
+                                          <p:attrName>style.visibility</p:attrName>
+                                        </p:attrNameLst>
+                                      </p:cBhvr>
+                                      <p:to>
+                                        <p:strVal val="visible"/>
+                                      </p:to>
+                                    </p:set>
+                                  </p:childTnLst>
+                                </p:cTn>
+                              </p:par>
+                            </p:childTnLst>
+                          </p:cTn>
+                        </p:par>
+                      </p:childTnLst>
+                    </p:cTn>
+                  </p:par>
+                  <p:par>
+                    <p:cTn id="15" fill="hold">
+                      <p:stCondLst>
+                        <p:cond delay="indefinite"/>
+                      </p:stCondLst>
+                      <p:childTnLst>
+                        <p:par>
+                          <p:cTn id="16" fill="hold">
+                            <p:stCondLst>
+                              <p:cond delay="0"/>
+                            </p:stCondLst>
+                            <p:childTnLst>
+                              <p:par>
+                                <p:cTn id="17" presetID="1" presetClass="entr" presetSubtype="0" fill="hold" nodeType="clickEffect">
+                                  <p:stCondLst>
+                                    <p:cond delay="0"/>
+                                  </p:stCondLst>
+                                  <p:childTnLst>
+                                    <p:set>
+                                      <p:cBhvr>
+                                        <p:cTn id="18" dur="1" fill="hold">
+                                          <p:stCondLst>
+                                            <p:cond delay="0"/>
+                                          </p:stCondLst>
+                                        </p:cTn>
+                                        <p:tgtEl>
+                                          <p:spTgt spid="6">
+                                            <p:txEl>
+                                              <p:pRg st="4" end="4"/>
+                                            </p:txEl>
+                                          </p:spTgt>
+                                        </p:tgtEl>
+                                        <p:attrNameLst>
+                                          <p:attrName>style.visibility</p:attrName>
+                                        </p:attrNameLst>
+                                      </p:cBhvr>
+                                      <p:to>
+                                        <p:strVal val="visible"/>
+                                      </p:to>
+                                    </p:set>
+                                  </p:childTnLst>
+                                </p:cTn>
+                              </p:par>
+                            </p:childTnLst>
+                          </p:cTn>
+                        </p:par>
+                      </p:childTnLst>
+                    </p:cTn>
+                  </p:par>
+                  <p:par>
+                    <p:cTn id="19" fill="hold">
+                      <p:stCondLst>
+                        <p:cond delay="indefinite"/>
+                      </p:stCondLst>
+                      <p:childTnLst>
+                        <p:par>
+                          <p:cTn id="20" fill="hold">
+                            <p:stCondLst>
+                              <p:cond delay="0"/>
+                            </p:stCondLst>
+                            <p:childTnLst>
+                              <p:par>
+                                <p:cTn id="21" presetID="1" presetClass="entr" presetSubtype="0" fill="hold" nodeType="clickEffect">
+                                  <p:stCondLst>
+                                    <p:cond delay="0"/>
+                                  </p:stCondLst>
+                                  <p:childTnLst>
+                                    <p:set>
+                                      <p:cBhvr>
+                                        <p:cTn id="22" dur="1" fill="hold">
+                                          <p:stCondLst>
+                                            <p:cond delay="0"/>
+                                          </p:stCondLst>
+                                        </p:cTn>
+                                        <p:tgtEl>
+                                          <p:spTgt spid="6">
+                                            <p:txEl>
+                                              <p:pRg st="5" end="5"/>
+                                            </p:txEl>
+                                          </p:spTgt>
+                                        </p:tgtEl>
+                                        <p:attrNameLst>
+                                          <p:attrName>style.visibility</p:attrName>
+                                        </p:attrNameLst>
+                                      </p:cBhvr>
+                                      <p:to>
+                                        <p:strVal val="visible"/>
+                                      </p:to>
+                                    </p:set>
+                                  </p:childTnLst>
+                                </p:cTn>
+                              </p:par>
+                            </p:childTnLst>
+                          </p:cTn>
+                        </p:par>
+                      </p:childTnLst>
+                    </p:cTn>
+                  </p:par>
+                  <p:par>
+                    <p:cTn id="23" fill="hold">
+                      <p:stCondLst>
+                        <p:cond delay="indefinite"/>
+                      </p:stCondLst>
+                      <p:childTnLst>
+                        <p:par>
+                          <p:cTn id="24" fill="hold">
+                            <p:stCondLst>
+                              <p:cond delay="0"/>
+                            </p:stCondLst>
+                            <p:childTnLst>
+                              <p:par>
+                                <p:cTn id="25" presetID="1" presetClass="entr" presetSubtype="0" fill="hold" nodeType="clickEffect">
+                                  <p:stCondLst>
+                                    <p:cond delay="0"/>
+                                  </p:stCondLst>
+                                  <p:childTnLst>
+                                    <p:set>
+                                      <p:cBhvr>
+                                        <p:cTn id="26" dur="1" fill="hold">
+                                          <p:stCondLst>
+                                            <p:cond delay="0"/>
+                                          </p:stCondLst>
+                                        </p:cTn>
+                                        <p:tgtEl>
+                                          <p:spTgt spid="6">
+                                            <p:txEl>
+                                              <p:pRg st="6" end="6"/>
+                                            </p:txEl>
+                                          </p:spTgt>
+                                        </p:tgtEl>
+                                        <p:attrNameLst>
+                                          <p:attrName>style.visibility</p:attrName>
+                                        </p:attrNameLst>
+                                      </p:cBhvr>
+                                      <p:to>
+                                        <p:strVal val="visible"/>
+                                      </p:to>
+                                    </p:set>
+                                  </p:childTnLst>
+                                </p:cTn>
+                              </p:par>
+                            </p:childTnLst>
+                          </p:cTn>
+                        </p:par>
+                      </p:childTnLst>
+                    </p:cTn>
+                  </p:par>
+                  <p:par>
+                    <p:cTn id="27" fill="hold">
+                      <p:stCondLst>
+                        <p:cond delay="indefinite"/>
+                      </p:stCondLst>
+                      <p:childTnLst>
+                        <p:par>
+                          <p:cTn id="28" fill="hold">
+                            <p:stCondLst>
+                              <p:cond delay="0"/>
+                            </p:stCondLst>
+                            <p:childTnLst>
+                              <p:par>
+                                <p:cTn id="29" presetID="1" presetClass="entr" presetSubtype="0" fill="hold" nodeType="clickEffect">
+                                  <p:stCondLst>
+                                    <p:cond delay="0"/>
+                                  </p:stCondLst>
+                                  <p:childTnLst>
+                                    <p:set>
+                                      <p:cBhvr>
+                                        <p:cTn id="30" dur="1" fill="hold">
+                                          <p:stCondLst>
+                                            <p:cond delay="0"/>
+                                          </p:stCondLst>
+                                        </p:cTn>
+                                        <p:tgtEl>
+                                          <p:spTgt spid="9"/>
+                                        </p:tgtEl>
+                                        <p:attrNameLst>
+                                          <p:attrName>style.visibility</p:attrName>
+                                        </p:attrNameLst>
+                                      </p:cBhvr>
+                                      <p:to>
+                                        <p:strVal val="visible"/>
+                                      </p:to>
+                                    </p:set>
+                                  </p:childTnLst>
+                                </p:cTn>
+                              </p:par>
+                            </p:childTnLst>
+                          </p:cTn>
+                        </p:par>
+                      </p:childTnLst>
+                    </p:cTn>
+                  </p:par>
+                </p:childTnLst>
+              </p:cTn>
+              <p:prevCondLst>
+                <p:cond evt="onPrev" delay="0">
+                  <p:tgtEl>
+                    <p:sldTgt/>
+                  </p:tgtEl>
+                </p:cond>
+              </p:prevCondLst>
+              <p:nextCondLst>
+                <p:cond evt="onNext" delay="0">
+                  <p:tgtEl>
+                    <p:sldTgt/>
+                  </p:tgtEl>
+                </p:cond>
+              </p:nextCondLst>
+            </p:seq>
+          </p:childTnLst>
+        </p:cTn>
+      </p:par>
+    </p:tnLst>
+  </p:timing>
+</p:sld>
+</file>
+
+<file path=ppt/slides/slide14.xml><?xml version="1.0" encoding="utf-8"?>
+<p:sld xmlns:a="http://schemas.openxmlformats.org/drawingml/2006/main" xmlns:r="http://schemas.openxmlformats.org/officeDocument/2006/relationships" xmlns:p="http://schemas.openxmlformats.org/presentationml/2006/main">
+  <p:cSld>
+    <p:spTree>
+      <p:nvGrpSpPr>
+        <p:cNvPr id="1" name=""/>
+        <p:cNvGrpSpPr/>
+        <p:nvPr/>
+      </p:nvGrpSpPr>
+      <p:grpSpPr>
+        <a:xfrm>
+          <a:off x="0" y="0"/>
+          <a:ext cx="0" cy="0"/>
+          <a:chOff x="0" y="0"/>
+          <a:chExt cx="0" cy="0"/>
+        </a:xfrm>
+      </p:grpSpPr>
+      <p:sp>
+        <p:nvSpPr>
+          <p:cNvPr id="2" name="Slide Number Placeholder 1"/>
+          <p:cNvSpPr>
+            <a:spLocks noGrp="1"/>
+          </p:cNvSpPr>
+          <p:nvPr>
+            <p:ph type="sldNum" sz="quarter" idx="5"/>
+          </p:nvPr>
+        </p:nvSpPr>
+        <p:spPr/>
+        <p:txBody>
+          <a:bodyPr/>
+          <a:lstStyle/>
+          <a:p>
+            <a:fld id="{2BF067CD-8E6B-4360-9AA8-C5DF2A48A6D1}" type="slidenum">
+              <a:rPr lang="en-US" noProof="0" smtClean="0"/>
+              <a:pPr/>
+              <a:t>14</a:t>
+            </a:fld>
+            <a:endParaRPr lang="en-US" noProof="0" dirty="0"/>
+          </a:p>
+        </p:txBody>
+      </p:sp>
+      <p:sp>
+        <p:nvSpPr>
+          <p:cNvPr id="3" name="Text Placeholder 2"/>
+          <p:cNvSpPr>
+            <a:spLocks noGrp="1"/>
+          </p:cNvSpPr>
+          <p:nvPr>
+            <p:ph type="body" sz="quarter" idx="10"/>
+          </p:nvPr>
+        </p:nvSpPr>
+        <p:spPr/>
+        <p:txBody>
+          <a:bodyPr/>
+          <a:lstStyle/>
+          <a:p>
+            <a:r>
+              <a:rPr lang="bg-BG" dirty="0"/>
+              <a:t>Основните </a:t>
+            </a:r>
+            <a:r>
+              <a:rPr lang="bg-BG" b="1" dirty="0"/>
+              <a:t>характеристики</a:t>
+            </a:r>
+            <a:r>
+              <a:rPr lang="bg-BG" dirty="0"/>
+              <a:t> на </a:t>
+            </a:r>
+            <a:r>
+              <a:rPr lang="bg-BG" b="1" dirty="0" smtClean="0"/>
+              <a:t>векторната </a:t>
+            </a:r>
+            <a:r>
+              <a:rPr lang="bg-BG" b="1" dirty="0"/>
+              <a:t>графика </a:t>
+            </a:r>
+            <a:r>
+              <a:rPr lang="bg-BG" dirty="0"/>
+              <a:t>са</a:t>
+            </a:r>
+            <a:r>
+              <a:rPr lang="bg-BG" dirty="0" smtClean="0"/>
+              <a:t>:</a:t>
+            </a:r>
+          </a:p>
+          <a:p>
+            <a:pPr lvl="1"/>
+            <a:r>
+              <a:rPr lang="bg-BG" b="1" dirty="0" smtClean="0"/>
+              <a:t>Малък обем </a:t>
+            </a:r>
+            <a:r>
+              <a:rPr lang="bg-BG" dirty="0" smtClean="0"/>
+              <a:t>на файла</a:t>
+            </a:r>
+          </a:p>
+          <a:p>
+            <a:pPr lvl="1"/>
+            <a:r>
+              <a:rPr lang="bg-BG" b="1" dirty="0" smtClean="0"/>
+              <a:t>Високо качество </a:t>
+            </a:r>
+            <a:r>
+              <a:rPr lang="bg-BG" dirty="0" smtClean="0"/>
+              <a:t>при </a:t>
+            </a:r>
+            <a:r>
+              <a:rPr lang="bg-BG" b="1" dirty="0" smtClean="0"/>
+              <a:t>намаляване</a:t>
+            </a:r>
+            <a:r>
+              <a:rPr lang="bg-BG" dirty="0" smtClean="0"/>
+              <a:t> и </a:t>
+            </a:r>
+            <a:r>
+              <a:rPr lang="bg-BG" b="1" dirty="0" smtClean="0"/>
+              <a:t>увеличаване</a:t>
+            </a:r>
+            <a:r>
+              <a:rPr lang="bg-BG" dirty="0" smtClean="0"/>
+              <a:t> на изображението</a:t>
+            </a:r>
+            <a:endParaRPr lang="bg-BG" dirty="0"/>
+          </a:p>
+          <a:p>
+            <a:endParaRPr lang="en-US" dirty="0"/>
+          </a:p>
+        </p:txBody>
+      </p:sp>
+      <p:sp>
+        <p:nvSpPr>
+          <p:cNvPr id="4" name="Title 3"/>
+          <p:cNvSpPr>
+            <a:spLocks noGrp="1"/>
+          </p:cNvSpPr>
+          <p:nvPr>
+            <p:ph type="title"/>
+          </p:nvPr>
+        </p:nvSpPr>
+        <p:spPr/>
+        <p:txBody>
+          <a:bodyPr/>
+          <a:lstStyle/>
+          <a:p>
+            <a:r>
+              <a:rPr lang="bg-BG" dirty="0" smtClean="0"/>
+              <a:t>Основни характеристики</a:t>
+            </a:r>
+            <a:endParaRPr lang="en-US" dirty="0"/>
+          </a:p>
+        </p:txBody>
+      </p:sp>
+      <p:pic>
+        <p:nvPicPr>
+          <p:cNvPr id="5" name="Picture 4"/>
+          <p:cNvPicPr>
+            <a:picLocks noChangeAspect="1"/>
+          </p:cNvPicPr>
+          <p:nvPr/>
+        </p:nvPicPr>
+        <p:blipFill>
+          <a:blip r:embed="rId2">
+            <a:extLst>
+              <a:ext uri="{28A0092B-C50C-407E-A947-70E740481C1C}">
+                <a14:useLocalDpi xmlns:a14="http://schemas.microsoft.com/office/drawing/2010/main" val="0"/>
+              </a:ext>
+            </a:extLst>
+          </a:blip>
+          <a:stretch>
+            <a:fillRect/>
+          </a:stretch>
+        </p:blipFill>
+        <p:spPr>
+          <a:xfrm>
+            <a:off x="4187100" y="3056400"/>
+            <a:ext cx="3817800" cy="3817800"/>
+          </a:xfrm>
+          <a:prstGeom prst="rect">
+            <a:avLst/>
+          </a:prstGeom>
+        </p:spPr>
+      </p:pic>
+    </p:spTree>
+    <p:extLst>
+      <p:ext uri="{BB962C8B-B14F-4D97-AF65-F5344CB8AC3E}">
+        <p14:creationId xmlns:p14="http://schemas.microsoft.com/office/powerpoint/2010/main" val="2747860047"/>
+      </p:ext>
+    </p:extLst>
+  </p:cSld>
+  <p:clrMapOvr>
+    <a:masterClrMapping/>
+  </p:clrMapOvr>
+  <mc:AlternateContent xmlns:mc="http://schemas.openxmlformats.org/markup-compatibility/2006" xmlns:p14="http://schemas.microsoft.com/office/powerpoint/2010/main">
+    <mc:Choice Requires="p14">
+      <p:transition spd="slow" p14:dur="2000" advClick="0" advTm="5000"/>
+    </mc:Choice>
+    <mc:Fallback xmlns="">
+      <p:transition spd="slow" advClick="0" advTm="5000"/>
+    </mc:Fallback>
+  </mc:AlternateContent>
+  <p:timing>
+    <p:tnLst>
+      <p:par>
+        <p:cTn id="1" dur="indefinite" restart="never" nodeType="tmRoot">
+          <p:childTnLst>
+            <p:seq concurrent="1" nextAc="seek">
+              <p:cTn id="2" dur="indefinite" nodeType="mainSeq">
+                <p:childTnLst>
+                  <p:par>
+                    <p:cTn id="3" fill="hold">
+                      <p:stCondLst>
+                        <p:cond delay="indefinite"/>
+                      </p:stCondLst>
+                      <p:childTnLst>
+                        <p:par>
+                          <p:cTn id="4" fill="hold">
+                            <p:stCondLst>
+                              <p:cond delay="0"/>
+                            </p:stCondLst>
+                            <p:childTnLst>
+                              <p:par>
+                                <p:cTn id="5" presetID="1" presetClass="entr" presetSubtype="0" fill="hold" nodeType="clickEffect">
+                                  <p:stCondLst>
+                                    <p:cond delay="0"/>
+                                  </p:stCondLst>
+                                  <p:childTnLst>
+                                    <p:set>
+                                      <p:cBhvr>
+                                        <p:cTn id="6" dur="1" fill="hold">
+                                          <p:stCondLst>
+                                            <p:cond delay="0"/>
+                                          </p:stCondLst>
+                                        </p:cTn>
+                                        <p:tgtEl>
+                                          <p:spTgt spid="3">
+                                            <p:txEl>
+                                              <p:pRg st="1" end="1"/>
+                                            </p:txEl>
+                                          </p:spTgt>
+                                        </p:tgtEl>
+                                        <p:attrNameLst>
+                                          <p:attrName>style.visibility</p:attrName>
+                                        </p:attrNameLst>
+                                      </p:cBhvr>
+                                      <p:to>
+                                        <p:strVal val="visible"/>
+                                      </p:to>
+                                    </p:set>
+                                  </p:childTnLst>
+                                </p:cTn>
+                              </p:par>
+                            </p:childTnLst>
+                          </p:cTn>
+                        </p:par>
+                      </p:childTnLst>
+                    </p:cTn>
+                  </p:par>
+                  <p:par>
+                    <p:cTn id="7" fill="hold">
+                      <p:stCondLst>
+                        <p:cond delay="indefinite"/>
+                      </p:stCondLst>
+                      <p:childTnLst>
+                        <p:par>
+                          <p:cTn id="8" fill="hold">
+                            <p:stCondLst>
+                              <p:cond delay="0"/>
+                            </p:stCondLst>
+                            <p:childTnLst>
+                              <p:par>
+                                <p:cTn id="9" presetID="1" presetClass="entr" presetSubtype="0" fill="hold" nodeType="clickEffect">
+                                  <p:stCondLst>
+                                    <p:cond delay="0"/>
+                                  </p:stCondLst>
+                                  <p:childTnLst>
+                                    <p:set>
+                                      <p:cBhvr>
+                                        <p:cTn id="10" dur="1" fill="hold">
+                                          <p:stCondLst>
+                                            <p:cond delay="0"/>
+                                          </p:stCondLst>
+                                        </p:cTn>
+                                        <p:tgtEl>
+                                          <p:spTgt spid="3">
+                                            <p:txEl>
+                                              <p:pRg st="2" end="2"/>
+                                            </p:txEl>
+                                          </p:spTgt>
+                                        </p:tgtEl>
+                                        <p:attrNameLst>
+                                          <p:attrName>style.visibility</p:attrName>
+                                        </p:attrNameLst>
+                                      </p:cBhvr>
+                                      <p:to>
+                                        <p:strVal val="visible"/>
+                                      </p:to>
+                                    </p:set>
+                                  </p:childTnLst>
+                                </p:cTn>
+                              </p:par>
+                            </p:childTnLst>
+                          </p:cTn>
+                        </p:par>
+                      </p:childTnLst>
+                    </p:cTn>
+                  </p:par>
+                  <p:par>
+                    <p:cTn id="11" fill="hold">
+                      <p:stCondLst>
+                        <p:cond delay="indefinite"/>
+                      </p:stCondLst>
+                      <p:childTnLst>
+                        <p:par>
+                          <p:cTn id="12" fill="hold">
+                            <p:stCondLst>
+                              <p:cond delay="0"/>
+                            </p:stCondLst>
+                            <p:childTnLst>
+                              <p:par>
+                                <p:cTn id="13" presetID="1" presetClass="entr" presetSubtype="0" fill="hold" nodeType="clickEffect">
+                                  <p:stCondLst>
+                                    <p:cond delay="0"/>
+                                  </p:stCondLst>
+                                  <p:childTnLst>
+                                    <p:set>
+                                      <p:cBhvr>
+                                        <p:cTn id="14" dur="1" fill="hold">
+                                          <p:stCondLst>
+                                            <p:cond delay="0"/>
+                                          </p:stCondLst>
+                                        </p:cTn>
+                                        <p:tgtEl>
+                                          <p:spTgt spid="5"/>
+                                        </p:tgtEl>
+                                        <p:attrNameLst>
+                                          <p:attrName>style.visibility</p:attrName>
+                                        </p:attrNameLst>
+                                      </p:cBhvr>
+                                      <p:to>
+                                        <p:strVal val="visible"/>
+                                      </p:to>
+                                    </p:set>
+                                  </p:childTnLst>
+                                </p:cTn>
+                              </p:par>
+                            </p:childTnLst>
+                          </p:cTn>
+                        </p:par>
+                      </p:childTnLst>
+                    </p:cTn>
+                  </p:par>
+                </p:childTnLst>
+              </p:cTn>
+              <p:prevCondLst>
+                <p:cond evt="onPrev" delay="0">
+                  <p:tgtEl>
+                    <p:sldTgt/>
+                  </p:tgtEl>
+                </p:cond>
+              </p:prevCondLst>
+              <p:nextCondLst>
+                <p:cond evt="onNext" delay="0">
+                  <p:tgtEl>
+                    <p:sldTgt/>
+                  </p:tgtEl>
+                </p:cond>
+              </p:nextCondLst>
+            </p:seq>
+          </p:childTnLst>
+        </p:cTn>
+      </p:par>
+    </p:tnLst>
+  </p:timing>
+</p:sld>
+</file>
+
+<file path=ppt/slides/slide15.xml><?xml version="1.0" encoding="utf-8"?>
+<p:sld xmlns:a="http://schemas.openxmlformats.org/drawingml/2006/main" xmlns:r="http://schemas.openxmlformats.org/officeDocument/2006/relationships" xmlns:p="http://schemas.openxmlformats.org/presentationml/2006/main">
+  <p:cSld>
+    <p:spTree>
+      <p:nvGrpSpPr>
+        <p:cNvPr id="1" name=""/>
+        <p:cNvGrpSpPr/>
+        <p:nvPr/>
+      </p:nvGrpSpPr>
+      <p:grpSpPr>
+        <a:xfrm>
+          <a:off x="0" y="0"/>
+          <a:ext cx="0" cy="0"/>
+          <a:chOff x="0" y="0"/>
+          <a:chExt cx="0" cy="0"/>
+        </a:xfrm>
+      </p:grpSpPr>
+      <p:sp>
+        <p:nvSpPr>
+          <p:cNvPr id="2" name="Slide Number Placeholder 1"/>
+          <p:cNvSpPr>
+            <a:spLocks noGrp="1"/>
+          </p:cNvSpPr>
+          <p:nvPr>
+            <p:ph type="sldNum" sz="quarter" idx="5"/>
+          </p:nvPr>
+        </p:nvSpPr>
+        <p:spPr/>
+        <p:txBody>
+          <a:bodyPr/>
+          <a:lstStyle/>
+          <a:p>
+            <a:fld id="{2BF067CD-8E6B-4360-9AA8-C5DF2A48A6D1}" type="slidenum">
+              <a:rPr lang="en-US" noProof="0" smtClean="0"/>
+              <a:pPr/>
+              <a:t>15</a:t>
+            </a:fld>
+            <a:endParaRPr lang="en-US" noProof="0" dirty="0"/>
+          </a:p>
+        </p:txBody>
+      </p:sp>
+      <p:sp>
+        <p:nvSpPr>
+          <p:cNvPr id="3" name="Text Placeholder 2"/>
+          <p:cNvSpPr>
+            <a:spLocks noGrp="1"/>
+          </p:cNvSpPr>
+          <p:nvPr>
+            <p:ph type="body" sz="quarter" idx="10"/>
+          </p:nvPr>
+        </p:nvSpPr>
+        <p:spPr>
+          <a:xfrm>
+            <a:off x="190402" y="1196125"/>
+            <a:ext cx="11930042" cy="5528766"/>
+          </a:xfrm>
+        </p:spPr>
+        <p:txBody>
+          <a:bodyPr/>
+          <a:lstStyle/>
+          <a:p>
+            <a:r>
+              <a:rPr lang="bg-BG" dirty="0" smtClean="0"/>
+              <a:t>Основният недостатък на векторната графика е </a:t>
+            </a:r>
+            <a:r>
+              <a:rPr lang="bg-BG" b="1" dirty="0" smtClean="0"/>
+              <a:t>невъзможността</a:t>
+            </a:r>
+            <a:r>
+              <a:rPr lang="bg-BG" dirty="0" smtClean="0"/>
+              <a:t> да създава </a:t>
+            </a:r>
+            <a:r>
+              <a:rPr lang="bg-BG" b="1" dirty="0" smtClean="0"/>
+              <a:t>фотореалистични изображения</a:t>
+            </a:r>
+            <a:endParaRPr lang="en-US" b="1" dirty="0"/>
+          </a:p>
+        </p:txBody>
+      </p:sp>
+      <p:sp>
+        <p:nvSpPr>
+          <p:cNvPr id="4" name="Title 3"/>
+          <p:cNvSpPr>
+            <a:spLocks noGrp="1"/>
+          </p:cNvSpPr>
+          <p:nvPr>
+            <p:ph type="title"/>
+          </p:nvPr>
+        </p:nvSpPr>
+        <p:spPr/>
+        <p:txBody>
+          <a:bodyPr/>
+          <a:lstStyle/>
+          <a:p>
+            <a:r>
+              <a:rPr lang="bg-BG" dirty="0"/>
+              <a:t>Недостатъци при </a:t>
+            </a:r>
+            <a:r>
+              <a:rPr lang="bg-BG" dirty="0" smtClean="0"/>
+              <a:t>векторната </a:t>
+            </a:r>
+            <a:r>
+              <a:rPr lang="bg-BG" dirty="0"/>
+              <a:t>графика</a:t>
+            </a:r>
+            <a:endParaRPr lang="en-US" dirty="0"/>
+          </a:p>
+        </p:txBody>
+      </p:sp>
+      <p:pic>
+        <p:nvPicPr>
+          <p:cNvPr id="2050" name="Picture 2" descr="140,000+ Free Vector Stock Art Images, Hand Selected - Pixabay - Pixabay"/>
+          <p:cNvPicPr>
+            <a:picLocks noChangeAspect="1" noChangeArrowheads="1"/>
+          </p:cNvPicPr>
+          <p:nvPr/>
+        </p:nvPicPr>
+        <p:blipFill>
+          <a:blip r:embed="rId2">
+            <a:extLst>
+              <a:ext uri="{28A0092B-C50C-407E-A947-70E740481C1C}">
+                <a14:useLocalDpi xmlns:a14="http://schemas.microsoft.com/office/drawing/2010/main" val="0"/>
+              </a:ext>
+            </a:extLst>
+          </a:blip>
+          <a:srcRect/>
+          <a:stretch>
+            <a:fillRect/>
+          </a:stretch>
+        </p:blipFill>
+        <p:spPr bwMode="auto">
+          <a:xfrm>
+            <a:off x="1947710" y="3114000"/>
+            <a:ext cx="8415425" cy="3214225"/>
+          </a:xfrm>
+          <a:prstGeom prst="rect">
+            <a:avLst/>
+          </a:prstGeom>
+          <a:noFill/>
+          <a:ln>
+            <a:solidFill>
+              <a:schemeClr val="bg2">
+                <a:lumMod val="75000"/>
+              </a:schemeClr>
+            </a:solidFill>
+          </a:ln>
+          <a:extLst>
+            <a:ext uri="{909E8E84-426E-40DD-AFC4-6F175D3DCCD1}">
+              <a14:hiddenFill xmlns:a14="http://schemas.microsoft.com/office/drawing/2010/main">
+                <a:solidFill>
+                  <a:srgbClr val="FFFFFF"/>
+                </a:solidFill>
+              </a14:hiddenFill>
+            </a:ext>
+          </a:extLst>
+        </p:spPr>
+      </p:pic>
+    </p:spTree>
+    <p:extLst>
+      <p:ext uri="{BB962C8B-B14F-4D97-AF65-F5344CB8AC3E}">
+        <p14:creationId xmlns:p14="http://schemas.microsoft.com/office/powerpoint/2010/main" val="4151246312"/>
+      </p:ext>
+    </p:extLst>
+  </p:cSld>
+  <p:clrMapOvr>
+    <a:masterClrMapping/>
+  </p:clrMapOvr>
+  <mc:AlternateContent xmlns:mc="http://schemas.openxmlformats.org/markup-compatibility/2006" xmlns:p14="http://schemas.microsoft.com/office/powerpoint/2010/main">
+    <mc:Choice Requires="p14">
+      <p:transition spd="slow" p14:dur="2000" advClick="0" advTm="5000"/>
+    </mc:Choice>
+    <mc:Fallback xmlns="">
+      <p:transition spd="slow" advClick="0" advTm="5000"/>
+    </mc:Fallback>
+  </mc:AlternateContent>
+  <p:timing>
+    <p:tnLst>
+      <p:par>
+        <p:cTn id="1" dur="indefinite" restart="never" nodeType="tmRoot">
+          <p:childTnLst>
+            <p:seq concurrent="1" nextAc="seek">
+              <p:cTn id="2" dur="indefinite" nodeType="mainSeq">
+                <p:childTnLst>
+                  <p:par>
+                    <p:cTn id="3" fill="hold">
+                      <p:stCondLst>
+                        <p:cond delay="indefinite"/>
+                      </p:stCondLst>
+                      <p:childTnLst>
+                        <p:par>
+                          <p:cTn id="4" fill="hold">
+                            <p:stCondLst>
+                              <p:cond delay="0"/>
+                            </p:stCondLst>
+                            <p:childTnLst>
+                              <p:par>
+                                <p:cTn id="5" presetID="1" presetClass="entr" presetSubtype="0" fill="hold" nodeType="clickEffect">
+                                  <p:stCondLst>
+                                    <p:cond delay="0"/>
+                                  </p:stCondLst>
+                                  <p:childTnLst>
+                                    <p:set>
+                                      <p:cBhvr>
+                                        <p:cTn id="6" dur="1" fill="hold">
+                                          <p:stCondLst>
+                                            <p:cond delay="0"/>
+                                          </p:stCondLst>
+                                        </p:cTn>
+                                        <p:tgtEl>
+                                          <p:spTgt spid="2050"/>
+                                        </p:tgtEl>
+                                        <p:attrNameLst>
+                                          <p:attrName>style.visibility</p:attrName>
+                                        </p:attrNameLst>
+                                      </p:cBhvr>
+                                      <p:to>
+                                        <p:strVal val="visible"/>
+                                      </p:to>
+                                    </p:set>
+                                  </p:childTnLst>
+                                </p:cTn>
+                              </p:par>
+                            </p:childTnLst>
+                          </p:cTn>
+                        </p:par>
+                      </p:childTnLst>
+                    </p:cTn>
+                  </p:par>
+                </p:childTnLst>
+              </p:cTn>
+              <p:prevCondLst>
+                <p:cond evt="onPrev" delay="0">
+                  <p:tgtEl>
+                    <p:sldTgt/>
+                  </p:tgtEl>
+                </p:cond>
+              </p:prevCondLst>
+              <p:nextCondLst>
+                <p:cond evt="onNext" delay="0">
+                  <p:tgtEl>
+                    <p:sldTgt/>
+                  </p:tgtEl>
+                </p:cond>
+              </p:nextCondLst>
+            </p:seq>
+          </p:childTnLst>
+        </p:cTn>
+      </p:par>
+    </p:tnLst>
+  </p:timing>
+</p:sld>
+</file>
+
+<file path=ppt/slides/slide16.xml><?xml version="1.0" encoding="utf-8"?>
+<p:sld xmlns:a="http://schemas.openxmlformats.org/drawingml/2006/main" xmlns:r="http://schemas.openxmlformats.org/officeDocument/2006/relationships" xmlns:p="http://schemas.openxmlformats.org/presentationml/2006/main">
+  <p:cSld>
+    <p:spTree>
+      <p:nvGrpSpPr>
+        <p:cNvPr id="1" name=""/>
+        <p:cNvGrpSpPr/>
+        <p:nvPr/>
+      </p:nvGrpSpPr>
+      <p:grpSpPr>
+        <a:xfrm>
+          <a:off x="0" y="0"/>
+          <a:ext cx="0" cy="0"/>
+          <a:chOff x="0" y="0"/>
+          <a:chExt cx="0" cy="0"/>
+        </a:xfrm>
+      </p:grpSpPr>
+      <p:sp>
+        <p:nvSpPr>
+          <p:cNvPr id="2" name="Slide Number Placeholder 1"/>
+          <p:cNvSpPr>
+            <a:spLocks noGrp="1"/>
+          </p:cNvSpPr>
+          <p:nvPr>
+            <p:ph type="sldNum" sz="quarter" idx="5"/>
+          </p:nvPr>
+        </p:nvSpPr>
+        <p:spPr/>
+        <p:txBody>
+          <a:bodyPr/>
+          <a:lstStyle/>
+          <a:p>
+            <a:fld id="{2BF067CD-8E6B-4360-9AA8-C5DF2A48A6D1}" type="slidenum">
+              <a:rPr lang="en-US" noProof="0" smtClean="0"/>
+              <a:pPr/>
+              <a:t>16</a:t>
+            </a:fld>
+            <a:endParaRPr lang="en-US" noProof="0" dirty="0"/>
+          </a:p>
+        </p:txBody>
+      </p:sp>
+      <p:sp>
+        <p:nvSpPr>
+          <p:cNvPr id="3" name="Text Placeholder 2"/>
+          <p:cNvSpPr>
+            <a:spLocks noGrp="1"/>
+          </p:cNvSpPr>
+          <p:nvPr>
+            <p:ph type="body" sz="quarter" idx="10"/>
+          </p:nvPr>
+        </p:nvSpPr>
+        <p:spPr/>
+        <p:txBody>
+          <a:bodyPr/>
+          <a:lstStyle/>
+          <a:p>
+            <a:r>
+              <a:rPr lang="bg-BG" dirty="0"/>
+              <a:t>Най-известните </a:t>
+            </a:r>
+            <a:r>
+              <a:rPr lang="bg-BG" b="1" dirty="0"/>
+              <a:t>програми</a:t>
+            </a:r>
+            <a:r>
+              <a:rPr lang="bg-BG" dirty="0"/>
+              <a:t> за </a:t>
+            </a:r>
+            <a:r>
+              <a:rPr lang="bg-BG" b="1" dirty="0"/>
+              <a:t>обработка</a:t>
+            </a:r>
+            <a:r>
+              <a:rPr lang="bg-BG" dirty="0"/>
+              <a:t> на </a:t>
+            </a:r>
+            <a:r>
+              <a:rPr lang="bg-BG" b="1" dirty="0" smtClean="0"/>
+              <a:t>векторна </a:t>
+            </a:r>
+            <a:r>
+              <a:rPr lang="bg-BG" b="1" dirty="0"/>
+              <a:t>графика</a:t>
+            </a:r>
+            <a:r>
+              <a:rPr lang="bg-BG" dirty="0"/>
+              <a:t> са</a:t>
+            </a:r>
+            <a:r>
+              <a:rPr lang="en-US" dirty="0"/>
+              <a:t>:</a:t>
+            </a:r>
+          </a:p>
+          <a:p>
+            <a:pPr lvl="1"/>
+            <a:r>
+              <a:rPr lang="en-US" dirty="0" smtClean="0"/>
+              <a:t>Adobe Illustrator</a:t>
+            </a:r>
+          </a:p>
+          <a:p>
+            <a:pPr lvl="1"/>
+            <a:r>
+              <a:rPr lang="en-US" dirty="0" err="1" smtClean="0"/>
+              <a:t>Autocad</a:t>
+            </a:r>
+            <a:endParaRPr lang="en-US" dirty="0" smtClean="0"/>
+          </a:p>
+          <a:p>
+            <a:pPr lvl="1"/>
+            <a:r>
+              <a:rPr lang="en-US" dirty="0" err="1" smtClean="0"/>
+              <a:t>CorelDRAW</a:t>
+            </a:r>
+            <a:endParaRPr lang="en-US" dirty="0"/>
+          </a:p>
+        </p:txBody>
+      </p:sp>
+      <p:sp>
+        <p:nvSpPr>
+          <p:cNvPr id="4" name="Title 3"/>
+          <p:cNvSpPr>
+            <a:spLocks noGrp="1"/>
+          </p:cNvSpPr>
+          <p:nvPr>
+            <p:ph type="title"/>
+          </p:nvPr>
+        </p:nvSpPr>
+        <p:spPr/>
+        <p:txBody>
+          <a:bodyPr/>
+          <a:lstStyle/>
+          <a:p>
+            <a:r>
+              <a:rPr lang="bg-BG" dirty="0"/>
+              <a:t>Програми за обработка на </a:t>
+            </a:r>
+            <a:r>
+              <a:rPr lang="bg-BG" dirty="0" smtClean="0"/>
+              <a:t>векторна </a:t>
+            </a:r>
+            <a:r>
+              <a:rPr lang="bg-BG" dirty="0"/>
+              <a:t>графика</a:t>
+            </a:r>
+            <a:endParaRPr lang="en-US" dirty="0"/>
+          </a:p>
+        </p:txBody>
+      </p:sp>
+      <p:pic>
+        <p:nvPicPr>
+          <p:cNvPr id="3074" name="Picture 2" descr="upload.wikimedia.org/wikipedia/commons/thumb/f/fb/..."/>
+          <p:cNvPicPr>
+            <a:picLocks noChangeAspect="1" noChangeArrowheads="1"/>
+          </p:cNvPicPr>
+          <p:nvPr/>
+        </p:nvPicPr>
+        <p:blipFill>
+          <a:blip r:embed="rId2" cstate="hqprint">
+            <a:extLst>
+              <a:ext uri="{28A0092B-C50C-407E-A947-70E740481C1C}">
+                <a14:useLocalDpi xmlns:a14="http://schemas.microsoft.com/office/drawing/2010/main" val="0"/>
+              </a:ext>
+            </a:extLst>
+          </a:blip>
+          <a:srcRect/>
+          <a:stretch>
+            <a:fillRect/>
+          </a:stretch>
+        </p:blipFill>
+        <p:spPr bwMode="auto">
+          <a:xfrm>
+            <a:off x="2245195" y="4669728"/>
+            <a:ext cx="1826376" cy="1780717"/>
+          </a:xfrm>
+          <a:prstGeom prst="rect">
+            <a:avLst/>
+          </a:prstGeom>
+          <a:noFill/>
+          <a:extLst>
+            <a:ext uri="{909E8E84-426E-40DD-AFC4-6F175D3DCCD1}">
+              <a14:hiddenFill xmlns:a14="http://schemas.microsoft.com/office/drawing/2010/main">
+                <a:solidFill>
+                  <a:srgbClr val="FFFFFF"/>
+                </a:solidFill>
+              </a14:hiddenFill>
+            </a:ext>
+          </a:extLst>
+        </p:spPr>
+      </p:pic>
+      <p:pic>
+        <p:nvPicPr>
+          <p:cNvPr id="3076" name="Picture 4" descr="Autocad Logo, symbol, meaning, history, PNG, brand"/>
+          <p:cNvPicPr>
+            <a:picLocks noChangeAspect="1" noChangeArrowheads="1"/>
+          </p:cNvPicPr>
+          <p:nvPr/>
+        </p:nvPicPr>
+        <p:blipFill rotWithShape="1">
+          <a:blip r:embed="rId3" cstate="hqprint">
+            <a:extLst>
+              <a:ext uri="{28A0092B-C50C-407E-A947-70E740481C1C}">
+                <a14:useLocalDpi xmlns:a14="http://schemas.microsoft.com/office/drawing/2010/main" val="0"/>
+              </a:ext>
+            </a:extLst>
+          </a:blip>
+          <a:srcRect r="7336"/>
+          <a:stretch/>
+        </p:blipFill>
+        <p:spPr bwMode="auto">
+          <a:xfrm>
+            <a:off x="4532197" y="4545659"/>
+            <a:ext cx="3127606" cy="1898557"/>
+          </a:xfrm>
+          <a:prstGeom prst="rect">
+            <a:avLst/>
+          </a:prstGeom>
+          <a:noFill/>
+          <a:extLst>
+            <a:ext uri="{909E8E84-426E-40DD-AFC4-6F175D3DCCD1}">
+              <a14:hiddenFill xmlns:a14="http://schemas.microsoft.com/office/drawing/2010/main">
+                <a:solidFill>
+                  <a:srgbClr val="FFFFFF"/>
+                </a:solidFill>
+              </a14:hiddenFill>
+            </a:ext>
+          </a:extLst>
+        </p:spPr>
+      </p:pic>
+      <p:pic>
+        <p:nvPicPr>
+          <p:cNvPr id="3078" name="Picture 6" descr="CorelDraw Logo PNG Vector (PDF) Free Download"/>
+          <p:cNvPicPr>
+            <a:picLocks noChangeAspect="1" noChangeArrowheads="1"/>
+          </p:cNvPicPr>
+          <p:nvPr/>
+        </p:nvPicPr>
+        <p:blipFill>
+          <a:blip r:embed="rId4">
+            <a:extLst>
+              <a:ext uri="{28A0092B-C50C-407E-A947-70E740481C1C}">
+                <a14:useLocalDpi xmlns:a14="http://schemas.microsoft.com/office/drawing/2010/main" val="0"/>
+              </a:ext>
+            </a:extLst>
+          </a:blip>
+          <a:srcRect/>
+          <a:stretch>
+            <a:fillRect/>
+          </a:stretch>
+        </p:blipFill>
+        <p:spPr bwMode="auto">
+          <a:xfrm>
+            <a:off x="8120430" y="4669728"/>
+            <a:ext cx="1573379" cy="1774488"/>
+          </a:xfrm>
+          <a:prstGeom prst="rect">
+            <a:avLst/>
+          </a:prstGeom>
+          <a:noFill/>
+          <a:extLst>
+            <a:ext uri="{909E8E84-426E-40DD-AFC4-6F175D3DCCD1}">
+              <a14:hiddenFill xmlns:a14="http://schemas.microsoft.com/office/drawing/2010/main">
+                <a:solidFill>
+                  <a:srgbClr val="FFFFFF"/>
+                </a:solidFill>
+              </a14:hiddenFill>
+            </a:ext>
+          </a:extLst>
+        </p:spPr>
+      </p:pic>
+    </p:spTree>
+    <p:extLst>
+      <p:ext uri="{BB962C8B-B14F-4D97-AF65-F5344CB8AC3E}">
+        <p14:creationId xmlns:p14="http://schemas.microsoft.com/office/powerpoint/2010/main" val="4285578441"/>
+      </p:ext>
+    </p:extLst>
+  </p:cSld>
+  <p:clrMapOvr>
+    <a:masterClrMapping/>
+  </p:clrMapOvr>
+  <mc:AlternateContent xmlns:mc="http://schemas.openxmlformats.org/markup-compatibility/2006" xmlns:p14="http://schemas.microsoft.com/office/powerpoint/2010/main">
+    <mc:Choice Requires="p14">
+      <p:transition spd="slow" p14:dur="2000" advClick="0" advTm="5000"/>
+    </mc:Choice>
+    <mc:Fallback xmlns="">
+      <p:transition spd="slow" advClick="0" advTm="5000"/>
+    </mc:Fallback>
+  </mc:AlternateContent>
+  <p:timing>
+    <p:tnLst>
+      <p:par>
+        <p:cTn id="1" dur="indefinite" restart="never" nodeType="tmRoot">
+          <p:childTnLst>
+            <p:seq concurrent="1" nextAc="seek">
+              <p:cTn id="2" dur="indefinite" nodeType="mainSeq">
+                <p:childTnLst>
+                  <p:par>
+                    <p:cTn id="3" fill="hold">
+                      <p:stCondLst>
+                        <p:cond delay="indefinite"/>
+                      </p:stCondLst>
+                      <p:childTnLst>
+                        <p:par>
+                          <p:cTn id="4" fill="hold">
+                            <p:stCondLst>
+                              <p:cond delay="0"/>
+                            </p:stCondLst>
+                            <p:childTnLst>
+                              <p:par>
+                                <p:cTn id="5" presetID="1" presetClass="entr" presetSubtype="0" fill="hold" nodeType="clickEffect">
+                                  <p:stCondLst>
+                                    <p:cond delay="0"/>
+                                  </p:stCondLst>
+                                  <p:childTnLst>
+                                    <p:set>
+                                      <p:cBhvr>
+                                        <p:cTn id="6" dur="1" fill="hold">
+                                          <p:stCondLst>
+                                            <p:cond delay="0"/>
+                                          </p:stCondLst>
+                                        </p:cTn>
+                                        <p:tgtEl>
+                                          <p:spTgt spid="3">
+                                            <p:txEl>
+                                              <p:pRg st="1" end="1"/>
+                                            </p:txEl>
+                                          </p:spTgt>
+                                        </p:tgtEl>
+                                        <p:attrNameLst>
+                                          <p:attrName>style.visibility</p:attrName>
+                                        </p:attrNameLst>
+                                      </p:cBhvr>
+                                      <p:to>
+                                        <p:strVal val="visible"/>
+                                      </p:to>
+                                    </p:set>
+                                  </p:childTnLst>
+                                </p:cTn>
+                              </p:par>
+                              <p:par>
+                                <p:cTn id="7" presetID="1" presetClass="entr" presetSubtype="0" fill="hold" nodeType="withEffect">
+                                  <p:stCondLst>
+                                    <p:cond delay="0"/>
+                                  </p:stCondLst>
+                                  <p:childTnLst>
+                                    <p:set>
+                                      <p:cBhvr>
+                                        <p:cTn id="8" dur="1" fill="hold">
+                                          <p:stCondLst>
+                                            <p:cond delay="0"/>
+                                          </p:stCondLst>
+                                        </p:cTn>
+                                        <p:tgtEl>
+                                          <p:spTgt spid="3074"/>
+                                        </p:tgtEl>
+                                        <p:attrNameLst>
+                                          <p:attrName>style.visibility</p:attrName>
+                                        </p:attrNameLst>
+                                      </p:cBhvr>
+                                      <p:to>
+                                        <p:strVal val="visible"/>
+                                      </p:to>
+                                    </p:set>
+                                  </p:childTnLst>
+                                </p:cTn>
+                              </p:par>
+                            </p:childTnLst>
+                          </p:cTn>
+                        </p:par>
+                      </p:childTnLst>
+                    </p:cTn>
+                  </p:par>
+                  <p:par>
+                    <p:cTn id="9" fill="hold">
+                      <p:stCondLst>
+                        <p:cond delay="indefinite"/>
+                      </p:stCondLst>
+                      <p:childTnLst>
+                        <p:par>
+                          <p:cTn id="10" fill="hold">
+                            <p:stCondLst>
+                              <p:cond delay="0"/>
+                            </p:stCondLst>
+                            <p:childTnLst>
+                              <p:par>
+                                <p:cTn id="11" presetID="1" presetClass="entr" presetSubtype="0" fill="hold" nodeType="clickEffect">
+                                  <p:stCondLst>
+                                    <p:cond delay="0"/>
+                                  </p:stCondLst>
+                                  <p:childTnLst>
+                                    <p:set>
+                                      <p:cBhvr>
+                                        <p:cTn id="12" dur="1" fill="hold">
+                                          <p:stCondLst>
+                                            <p:cond delay="0"/>
+                                          </p:stCondLst>
+                                        </p:cTn>
+                                        <p:tgtEl>
+                                          <p:spTgt spid="3">
+                                            <p:txEl>
+                                              <p:pRg st="2" end="2"/>
+                                            </p:txEl>
+                                          </p:spTgt>
+                                        </p:tgtEl>
+                                        <p:attrNameLst>
+                                          <p:attrName>style.visibility</p:attrName>
+                                        </p:attrNameLst>
+                                      </p:cBhvr>
+                                      <p:to>
+                                        <p:strVal val="visible"/>
+                                      </p:to>
+                                    </p:set>
+                                  </p:childTnLst>
+                                </p:cTn>
+                              </p:par>
+                              <p:par>
+                                <p:cTn id="13" presetID="1" presetClass="entr" presetSubtype="0" fill="hold" nodeType="withEffect">
+                                  <p:stCondLst>
+                                    <p:cond delay="0"/>
+                                  </p:stCondLst>
+                                  <p:childTnLst>
+                                    <p:set>
+                                      <p:cBhvr>
+                                        <p:cTn id="14" dur="1" fill="hold">
+                                          <p:stCondLst>
+                                            <p:cond delay="0"/>
+                                          </p:stCondLst>
+                                        </p:cTn>
+                                        <p:tgtEl>
+                                          <p:spTgt spid="3076"/>
+                                        </p:tgtEl>
+                                        <p:attrNameLst>
+                                          <p:attrName>style.visibility</p:attrName>
+                                        </p:attrNameLst>
+                                      </p:cBhvr>
+                                      <p:to>
+                                        <p:strVal val="visible"/>
+                                      </p:to>
+                                    </p:set>
+                                  </p:childTnLst>
+                                </p:cTn>
+                              </p:par>
+                            </p:childTnLst>
+                          </p:cTn>
+                        </p:par>
+                      </p:childTnLst>
+                    </p:cTn>
+                  </p:par>
+                  <p:par>
+                    <p:cTn id="15" fill="hold">
+                      <p:stCondLst>
+                        <p:cond delay="indefinite"/>
+                      </p:stCondLst>
+                      <p:childTnLst>
+                        <p:par>
+                          <p:cTn id="16" fill="hold">
+                            <p:stCondLst>
+                              <p:cond delay="0"/>
+                            </p:stCondLst>
+                            <p:childTnLst>
+                              <p:par>
+                                <p:cTn id="17" presetID="1" presetClass="entr" presetSubtype="0" fill="hold" nodeType="clickEffect">
+                                  <p:stCondLst>
+                                    <p:cond delay="0"/>
+                                  </p:stCondLst>
+                                  <p:childTnLst>
+                                    <p:set>
+                                      <p:cBhvr>
+                                        <p:cTn id="18" dur="1" fill="hold">
+                                          <p:stCondLst>
+                                            <p:cond delay="0"/>
+                                          </p:stCondLst>
+                                        </p:cTn>
+                                        <p:tgtEl>
+                                          <p:spTgt spid="3">
+                                            <p:txEl>
+                                              <p:pRg st="3" end="3"/>
+                                            </p:txEl>
+                                          </p:spTgt>
+                                        </p:tgtEl>
+                                        <p:attrNameLst>
+                                          <p:attrName>style.visibility</p:attrName>
+                                        </p:attrNameLst>
+                                      </p:cBhvr>
+                                      <p:to>
+                                        <p:strVal val="visible"/>
+                                      </p:to>
+                                    </p:set>
+                                  </p:childTnLst>
+                                </p:cTn>
+                              </p:par>
+                              <p:par>
+                                <p:cTn id="19" presetID="1" presetClass="entr" presetSubtype="0" fill="hold" nodeType="withEffect">
+                                  <p:stCondLst>
+                                    <p:cond delay="0"/>
+                                  </p:stCondLst>
+                                  <p:childTnLst>
+                                    <p:set>
+                                      <p:cBhvr>
+                                        <p:cTn id="20" dur="1" fill="hold">
+                                          <p:stCondLst>
+                                            <p:cond delay="0"/>
+                                          </p:stCondLst>
+                                        </p:cTn>
+                                        <p:tgtEl>
+                                          <p:spTgt spid="3078"/>
+                                        </p:tgtEl>
+                                        <p:attrNameLst>
+                                          <p:attrName>style.visibility</p:attrName>
+                                        </p:attrNameLst>
+                                      </p:cBhvr>
+                                      <p:to>
+                                        <p:strVal val="visible"/>
+                                      </p:to>
+                                    </p:set>
+                                  </p:childTnLst>
+                                </p:cTn>
+                              </p:par>
+                            </p:childTnLst>
+                          </p:cTn>
+                        </p:par>
+                      </p:childTnLst>
+                    </p:cTn>
+                  </p:par>
+                </p:childTnLst>
+              </p:cTn>
+              <p:prevCondLst>
+                <p:cond evt="onPrev" delay="0">
+                  <p:tgtEl>
+                    <p:sldTgt/>
+                  </p:tgtEl>
+                </p:cond>
+              </p:prevCondLst>
+              <p:nextCondLst>
+                <p:cond evt="onNext" delay="0">
+                  <p:tgtEl>
+                    <p:sldTgt/>
+                  </p:tgtEl>
+                </p:cond>
+              </p:nextCondLst>
+            </p:seq>
+          </p:childTnLst>
+        </p:cTn>
+      </p:par>
+    </p:tnLst>
+  </p:timing>
+</p:sld>
+</file>
+
+<file path=ppt/slides/slide17.xml><?xml version="1.0" encoding="utf-8"?>
+<p:sld xmlns:a="http://schemas.openxmlformats.org/drawingml/2006/main" xmlns:r="http://schemas.openxmlformats.org/officeDocument/2006/relationships" xmlns:p="http://schemas.openxmlformats.org/presentationml/2006/main">
+  <p:cSld>
+    <p:spTree>
+      <p:nvGrpSpPr>
+        <p:cNvPr id="1" name=""/>
+        <p:cNvGrpSpPr/>
+        <p:nvPr/>
+      </p:nvGrpSpPr>
+      <p:grpSpPr>
+        <a:xfrm>
+          <a:off x="0" y="0"/>
+          <a:ext cx="0" cy="0"/>
+          <a:chOff x="0" y="0"/>
+          <a:chExt cx="0" cy="0"/>
+        </a:xfrm>
+      </p:grpSpPr>
+      <p:sp>
+        <p:nvSpPr>
           <p:cNvPr id="14" name="Text Placeholder 4">
             <a:extLst>
               <a:ext uri="{FF2B5EF4-FFF2-40B4-BE49-F238E27FC236}">
@@ -7835,7 +10156,7 @@
             <a:fld id="{C014DD1E-5D91-48A3-AD6D-45FBA980D106}" type="slidenum">
               <a:rPr lang="en-US" smtClean="0"/>
               <a:pPr/>
-              <a:t>11</a:t>
+              <a:t>17</a:t>
             </a:fld>
             <a:endParaRPr lang="en-US" dirty="0"/>
           </a:p>
@@ -8284,7 +10605,7 @@
 </p:sld>
 </file>
 
-<file path=ppt/slides/slide12.xml><?xml version="1.0" encoding="utf-8"?>
+<file path=ppt/slides/slide18.xml><?xml version="1.0" encoding="utf-8"?>
 <p:sld xmlns:a="http://schemas.openxmlformats.org/drawingml/2006/main" xmlns:r="http://schemas.openxmlformats.org/officeDocument/2006/relationships" xmlns:p="http://schemas.openxmlformats.org/presentationml/2006/main">
   <p:cSld>
     <p:spTree>
@@ -8398,7 +10719,7 @@
                 <a:hlinkClick r:id="rId3">
                   <a:extLst>
                     <a:ext uri="{A12FA001-AC4F-418D-AE19-62706E023703}">
-                      <ahyp:hlinkClr xmlns:ahyp="http://schemas.microsoft.com/office/drawing/2018/hyperlinkcolor" xmlns="" val="tx"/>
+                      <ahyp:hlinkClr xmlns="" xmlns:ahyp="http://schemas.microsoft.com/office/drawing/2018/hyperlinkcolor" val="tx"/>
                     </a:ext>
                   </a:extLst>
                 </a:hlinkClick>
@@ -8471,10 +10792,17 @@
       <p:transition spd="slow" advClick="0" advTm="5000"/>
     </mc:Fallback>
   </mc:AlternateContent>
+  <p:timing>
+    <p:tnLst>
+      <p:par>
+        <p:cTn id="1" dur="indefinite" restart="never" nodeType="tmRoot"/>
+      </p:par>
+    </p:tnLst>
+  </p:timing>
 </p:sld>
 </file>
 
-<file path=ppt/slides/slide13.xml><?xml version="1.0" encoding="utf-8"?>
+<file path=ppt/slides/slide19.xml><?xml version="1.0" encoding="utf-8"?>
 <p:sld xmlns:a="http://schemas.openxmlformats.org/drawingml/2006/main" xmlns:r="http://schemas.openxmlformats.org/officeDocument/2006/relationships" xmlns:p="http://schemas.openxmlformats.org/presentationml/2006/main" show="0">
   <p:cSld>
     <p:spTree>
@@ -8527,7 +10855,7 @@
             <a:fld id="{2BF067CD-8E6B-4360-9AA8-C5DF2A48A6D1}" type="slidenum">
               <a:rPr lang="en-US" smtClean="0"/>
               <a:pPr/>
-              <a:t>13</a:t>
+              <a:t>19</a:t>
             </a:fld>
             <a:endParaRPr lang="en-US" dirty="0"/>
           </a:p>
@@ -9068,6 +11396,41 @@
               <a:rPr lang="bg-BG" b="1" dirty="0" smtClean="0"/>
               <a:t>формати</a:t>
             </a:r>
+            <a:endParaRPr lang="en-US" b="1" dirty="0" smtClean="0"/>
+          </a:p>
+          <a:p>
+            <a:r>
+              <a:rPr lang="bg-BG" dirty="0" smtClean="0"/>
+              <a:t>͏</a:t>
+            </a:r>
+            <a:r>
+              <a:rPr lang="bg-BG" b="1" dirty="0" smtClean="0"/>
+              <a:t>Съхраняване</a:t>
+            </a:r>
+            <a:r>
+              <a:rPr lang="bg-BG" dirty="0" smtClean="0"/>
+              <a:t> на изображение в </a:t>
+            </a:r>
+            <a:r>
+              <a:rPr lang="bg-BG" b="1" dirty="0" smtClean="0"/>
+              <a:t>различни</a:t>
+            </a:r>
+            <a:r>
+              <a:rPr lang="bg-BG" dirty="0" smtClean="0"/>
+              <a:t> </a:t>
+            </a:r>
+            <a:r>
+              <a:rPr lang="bg-BG" b="1" dirty="0" smtClean="0"/>
+              <a:t>графични</a:t>
+            </a:r>
+            <a:r>
+              <a:rPr lang="bg-BG" dirty="0" smtClean="0"/>
+              <a:t> </a:t>
+            </a:r>
+            <a:r>
+              <a:rPr lang="bg-BG" b="1" dirty="0" smtClean="0"/>
+              <a:t>формати</a:t>
+            </a:r>
             <a:endParaRPr lang="bg-BG" b="1" dirty="0"/>
           </a:p>
         </p:txBody>
@@ -9253,6 +11616,55 @@
                                           <p:spTgt spid="444419">
                                             <p:txEl>
                                               <p:pRg st="2" end="2"/>
+                                            </p:txEl>
+                                          </p:spTgt>
+                                        </p:tgtEl>
+                                        <p:attrNameLst>
+                                          <p:attrName>style.visibility</p:attrName>
+                                        </p:attrNameLst>
+                                      </p:cBhvr>
+                                      <p:to>
+                                        <p:strVal val="visible"/>
+                                      </p:to>
+                                    </p:set>
+                                  </p:childTnLst>
+                                </p:cTn>
+                              </p:par>
+                            </p:childTnLst>
+                          </p:cTn>
+                        </p:par>
+                      </p:childTnLst>
+                    </p:cTn>
+                  </p:par>
+                  <p:par>
+                    <p:cTn id="11" fill="hold">
+                      <p:stCondLst>
+                        <p:cond delay="indefinite"/>
+                      </p:stCondLst>
+                      <p:childTnLst>
+                        <p:par>
+                          <p:cTn id="12" fill="hold">
+                            <p:stCondLst>
+                              <p:cond delay="0"/>
+                            </p:stCondLst>
+                            <p:childTnLst>
+                              <p:par>
+                                <p:cTn id="13" presetID="1" presetClass="entr" presetSubtype="0" fill="hold" nodeType="clickEffect">
+                                  <p:stCondLst>
+                                    <p:cond delay="0"/>
+                                  </p:stCondLst>
+                                  <p:childTnLst>
+                                    <p:set>
+                                      <p:cBhvr>
+                                        <p:cTn id="14" dur="1" fill="hold">
+                                          <p:stCondLst>
+                                            <p:cond delay="0"/>
+                                          </p:stCondLst>
+                                        </p:cTn>
+                                        <p:tgtEl>
+                                          <p:spTgt spid="444419">
+                                            <p:txEl>
+                                              <p:pRg st="3" end="3"/>
                                             </p:txEl>
                                           </p:spTgt>
                                         </p:tgtEl>
@@ -9889,7 +12301,15 @@
           <a:p>
             <a:r>
               <a:rPr lang="ru-RU" dirty="0"/>
-              <a:t>Поради особеностите на човешкото зрение и малките размери на пискелите отделните </a:t>
+              <a:t>Поради особеностите на </a:t>
+            </a:r>
+            <a:r>
+              <a:rPr lang="ru-RU" b="1" dirty="0"/>
+              <a:t>човешкото зрение </a:t>
+            </a:r>
+            <a:r>
+              <a:rPr lang="ru-RU" dirty="0"/>
+              <a:t>и малките размери на пискелите отделните </a:t>
             </a:r>
             <a:r>
               <a:rPr lang="ru-RU" dirty="0" smtClean="0"/>
@@ -9897,9 +12317,21 @@
             </a:r>
             <a:r>
               <a:rPr lang="ru-RU" dirty="0"/>
-              <a:t>се сливат в цялостно изображение</a:t>
-            </a:r>
-            <a:endParaRPr lang="en-US" dirty="0"/>
+              <a:t>се </a:t>
+            </a:r>
+            <a:r>
+              <a:rPr lang="ru-RU" b="1" dirty="0"/>
+              <a:t>сливат</a:t>
+            </a:r>
+            <a:r>
+              <a:rPr lang="ru-RU" dirty="0"/>
+              <a:t> в </a:t>
+            </a:r>
+            <a:r>
+              <a:rPr lang="ru-RU" b="1" dirty="0"/>
+              <a:t>цялостно изображение</a:t>
+            </a:r>
+            <a:endParaRPr lang="en-US" b="1" dirty="0"/>
           </a:p>
           <a:p>
             <a:endParaRPr lang="en-US" dirty="0"/>
